--- a/Project 1 - Group 6 Slides_NG.pptx
+++ b/Project 1 - Group 6 Slides_NG.pptx
@@ -219,7 +219,7 @@
           <a:p>
             <a:fld id="{AC0B60A9-32F3-4355-8A2A-2C70635CA3A7}" type="datetimeFigureOut">
               <a:rPr lang="en-AU" smtClean="0"/>
-              <a:t>18/07/2023</a:t>
+              <a:t>19/07/2023</a:t>
             </a:fld>
             <a:endParaRPr lang="en-AU"/>
           </a:p>
@@ -3005,7 +3005,7 @@
           <a:p>
             <a:fld id="{403CB87E-4591-47A1-9046-CF63F17215EF}" type="datetime2">
               <a:rPr lang="en-US" smtClean="0"/>
-              <a:t>Tuesday, July 18, 2023</a:t>
+              <a:t>Wednesday, July 19, 2023</a:t>
             </a:fld>
             <a:endParaRPr lang="en-US" dirty="0"/>
           </a:p>
@@ -3227,7 +3227,7 @@
           <a:p>
             <a:fld id="{2FA17F0E-8070-4DFE-A821-9A699EDBAD7E}" type="datetime2">
               <a:rPr lang="en-US" smtClean="0"/>
-              <a:t>Tuesday, July 18, 2023</a:t>
+              <a:t>Wednesday, July 19, 2023</a:t>
             </a:fld>
             <a:endParaRPr lang="en-US"/>
           </a:p>
@@ -3439,7 +3439,7 @@
           <a:p>
             <a:fld id="{D88D34AE-C7BF-46E5-A968-01C6641F6476}" type="datetime2">
               <a:rPr lang="en-US" smtClean="0"/>
-              <a:t>Tuesday, July 18, 2023</a:t>
+              <a:t>Wednesday, July 19, 2023</a:t>
             </a:fld>
             <a:endParaRPr lang="en-US"/>
           </a:p>
@@ -3680,7 +3680,7 @@
           <a:p>
             <a:fld id="{F33DE70B-B772-416E-A790-995760B1742E}" type="datetime2">
               <a:rPr lang="en-US" smtClean="0"/>
-              <a:t>Tuesday, July 18, 2023</a:t>
+              <a:t>Wednesday, July 19, 2023</a:t>
             </a:fld>
             <a:endParaRPr lang="en-US" dirty="0"/>
           </a:p>
@@ -3979,7 +3979,7 @@
           <a:p>
             <a:fld id="{76760CDE-A6F1-4138-AF12-ED09E8E5FB6B}" type="datetime2">
               <a:rPr lang="en-US" smtClean="0"/>
-              <a:t>Tuesday, July 18, 2023</a:t>
+              <a:t>Wednesday, July 19, 2023</a:t>
             </a:fld>
             <a:endParaRPr lang="en-US"/>
           </a:p>
@@ -4311,7 +4311,7 @@
           <a:p>
             <a:fld id="{DB15F8B1-DB7B-4D28-A97D-40FB2DD1EF78}" type="datetime2">
               <a:rPr lang="en-US" smtClean="0"/>
-              <a:t>Tuesday, July 18, 2023</a:t>
+              <a:t>Wednesday, July 19, 2023</a:t>
             </a:fld>
             <a:endParaRPr lang="en-US"/>
           </a:p>
@@ -4757,7 +4757,7 @@
           <a:p>
             <a:fld id="{14039161-23B8-4738-9069-73EBE8884FDD}" type="datetime2">
               <a:rPr lang="en-US" smtClean="0"/>
-              <a:t>Tuesday, July 18, 2023</a:t>
+              <a:t>Wednesday, July 19, 2023</a:t>
             </a:fld>
             <a:endParaRPr lang="en-US"/>
           </a:p>
@@ -4913,7 +4913,7 @@
           <a:p>
             <a:fld id="{FA994D44-7693-499F-AC6C-11696134FE3F}" type="datetime2">
               <a:rPr lang="en-US" smtClean="0"/>
-              <a:t>Tuesday, July 18, 2023</a:t>
+              <a:t>Wednesday, July 19, 2023</a:t>
             </a:fld>
             <a:endParaRPr lang="en-US"/>
           </a:p>
@@ -5030,7 +5030,7 @@
           <a:p>
             <a:fld id="{363AF2AE-472C-4EF3-ABB2-24BAA9AE3CF7}" type="datetime2">
               <a:rPr lang="en-US" smtClean="0"/>
-              <a:t>Tuesday, July 18, 2023</a:t>
+              <a:t>Wednesday, July 19, 2023</a:t>
             </a:fld>
             <a:endParaRPr lang="en-US"/>
           </a:p>
@@ -5357,7 +5357,7 @@
           <a:p>
             <a:fld id="{EAEA162C-A7C1-4263-9453-1BAFF8C39559}" type="datetime2">
               <a:rPr lang="en-US" smtClean="0"/>
-              <a:t>Tuesday, July 18, 2023</a:t>
+              <a:t>Wednesday, July 19, 2023</a:t>
             </a:fld>
             <a:endParaRPr lang="en-US"/>
           </a:p>
@@ -5663,7 +5663,7 @@
           <a:p>
             <a:fld id="{64DF6793-3458-4587-8168-65F0C37A92D2}" type="datetime2">
               <a:rPr lang="en-US" smtClean="0"/>
-              <a:t>Tuesday, July 18, 2023</a:t>
+              <a:t>Wednesday, July 19, 2023</a:t>
             </a:fld>
             <a:endParaRPr lang="en-US"/>
           </a:p>
@@ -6016,7 +6016,7 @@
             <a:fld id="{E8352ED3-3C46-4C9A-9738-67B2D875E7E2}" type="datetime2">
               <a:rPr lang="en-US" smtClean="0"/>
               <a:pPr/>
-              <a:t>Tuesday, July 18, 2023</a:t>
+              <a:t>Wednesday, July 19, 2023</a:t>
             </a:fld>
             <a:endParaRPr lang="en-US" dirty="0"/>
           </a:p>
@@ -6680,104 +6680,6 @@
           </a:p>
         </p:txBody>
       </p:sp>
-      <p:sp>
-        <p:nvSpPr>
-          <p:cNvPr id="15" name="Text Placeholder 14">
-            <a:extLst>
-              <a:ext uri="{FF2B5EF4-FFF2-40B4-BE49-F238E27FC236}">
-                <a16:creationId xmlns:a16="http://schemas.microsoft.com/office/drawing/2014/main" id="{3C440601-7589-7E20-BFEA-D89A1257B60F}"/>
-              </a:ext>
-            </a:extLst>
-          </p:cNvPr>
-          <p:cNvSpPr>
-            <a:spLocks noGrp="1"/>
-          </p:cNvSpPr>
-          <p:nvPr>
-            <p:ph type="body" sz="half" idx="4294967295"/>
-          </p:nvPr>
-        </p:nvSpPr>
-        <p:spPr>
-          <a:xfrm>
-            <a:off x="3386191" y="6072550"/>
-            <a:ext cx="4489450" cy="3668713"/>
-          </a:xfrm>
-        </p:spPr>
-        <p:txBody>
-          <a:bodyPr>
-            <a:normAutofit/>
-          </a:bodyPr>
-          <a:lstStyle/>
-          <a:p>
-            <a:pPr marL="267462" indent="-267462" defTabSz="713232">
-              <a:spcBef>
-                <a:spcPts val="780"/>
-              </a:spcBef>
-              <a:buFont typeface="Arial" panose="020B0604020202020204" pitchFamily="34" charset="0"/>
-              <a:buChar char="•"/>
-            </a:pPr>
-            <a:r>
-              <a:rPr lang="en-US" sz="1716" dirty="0"/>
-              <a:t>Most prominent crimes 2022</a:t>
-            </a:r>
-          </a:p>
-          <a:p>
-            <a:pPr marL="267462" indent="-267462" defTabSz="713232">
-              <a:spcBef>
-                <a:spcPts val="780"/>
-              </a:spcBef>
-              <a:buFont typeface="Arial" panose="020B0604020202020204" pitchFamily="34" charset="0"/>
-              <a:buChar char="•"/>
-            </a:pPr>
-            <a:r>
-              <a:rPr lang="en-US" sz="1716" kern="1200" dirty="0">
-                <a:solidFill>
-                  <a:schemeClr val="tx2"/>
-                </a:solidFill>
-                <a:latin typeface="+mn-lt"/>
-                <a:ea typeface="+mn-ea"/>
-                <a:cs typeface="+mn-cs"/>
-              </a:rPr>
-              <a:t>Pie chart showing split of crime types for whole of </a:t>
-            </a:r>
-            <a:r>
-              <a:rPr lang="en-US" sz="1716" kern="1200" dirty="0" err="1">
-                <a:solidFill>
-                  <a:schemeClr val="tx2"/>
-                </a:solidFill>
-                <a:latin typeface="+mn-lt"/>
-                <a:ea typeface="+mn-ea"/>
-                <a:cs typeface="+mn-cs"/>
-              </a:rPr>
-              <a:t>Melb</a:t>
-            </a:r>
-            <a:endParaRPr lang="en-US" sz="1716" kern="1200" dirty="0">
-              <a:solidFill>
-                <a:schemeClr val="tx2"/>
-              </a:solidFill>
-              <a:latin typeface="+mn-lt"/>
-              <a:ea typeface="+mn-ea"/>
-              <a:cs typeface="+mn-cs"/>
-            </a:endParaRPr>
-          </a:p>
-          <a:p>
-            <a:pPr marL="267462" indent="-267462" defTabSz="713232">
-              <a:spcBef>
-                <a:spcPts val="780"/>
-              </a:spcBef>
-              <a:buFont typeface="Arial" panose="020B0604020202020204" pitchFamily="34" charset="0"/>
-              <a:buChar char="•"/>
-            </a:pPr>
-            <a:endParaRPr lang="en-US" sz="1716" kern="1200" dirty="0">
-              <a:solidFill>
-                <a:schemeClr val="tx2"/>
-              </a:solidFill>
-              <a:latin typeface="+mn-lt"/>
-              <a:ea typeface="+mn-ea"/>
-              <a:cs typeface="+mn-cs"/>
-            </a:endParaRPr>
-          </a:p>
-        </p:txBody>
-      </p:sp>
       <p:pic>
         <p:nvPicPr>
           <p:cNvPr id="1026" name="Picture 2">
@@ -7429,8 +7331,8 @@
         </p:blipFill>
         <p:spPr>
           <a:xfrm>
-            <a:off x="2842327" y="1148423"/>
-            <a:ext cx="9170902" cy="5176520"/>
+            <a:off x="3054658" y="953856"/>
+            <a:ext cx="9137342" cy="5157577"/>
           </a:xfrm>
           <a:prstGeom prst="rect">
             <a:avLst/>
@@ -7700,7 +7602,7 @@
         </p:nvSpPr>
         <p:spPr>
           <a:xfrm>
-            <a:off x="1482756" y="4253730"/>
+            <a:off x="1656376" y="4265229"/>
             <a:ext cx="3700432" cy="369332"/>
           </a:xfrm>
           <a:prstGeom prst="rect">
@@ -7740,7 +7642,7 @@
         </p:nvSpPr>
         <p:spPr>
           <a:xfrm>
-            <a:off x="1313372" y="3145881"/>
+            <a:off x="1417416" y="3145881"/>
             <a:ext cx="3700432" cy="369332"/>
           </a:xfrm>
           <a:prstGeom prst="rect">
@@ -7780,7 +7682,7 @@
         </p:nvSpPr>
         <p:spPr>
           <a:xfrm>
-            <a:off x="1398064" y="2038032"/>
+            <a:off x="1563114" y="2038774"/>
             <a:ext cx="3700432" cy="369332"/>
           </a:xfrm>
           <a:prstGeom prst="rect">
@@ -7820,7 +7722,7 @@
         </p:nvSpPr>
         <p:spPr>
           <a:xfrm>
-            <a:off x="1925290" y="2407364"/>
+            <a:off x="1991500" y="2407364"/>
             <a:ext cx="917037" cy="2862322"/>
           </a:xfrm>
           <a:prstGeom prst="rect">

--- a/Project 1 - Group 6 Slides_NG.pptx
+++ b/Project 1 - Group 6 Slides_NG.pptx
@@ -27,8 +27,8 @@
     <p:sldId id="277" r:id="rId18"/>
     <p:sldId id="274" r:id="rId19"/>
     <p:sldId id="278" r:id="rId20"/>
-    <p:sldId id="279" r:id="rId21"/>
-    <p:sldId id="280" r:id="rId22"/>
+    <p:sldId id="280" r:id="rId21"/>
+    <p:sldId id="279" r:id="rId22"/>
     <p:sldId id="281" r:id="rId23"/>
     <p:sldId id="282" r:id="rId24"/>
   </p:sldIdLst>
@@ -1846,6 +1846,21 @@
             <a:endParaRPr lang="en-AU" dirty="0"/>
           </a:p>
           <a:p>
+            <a:r>
+              <a:rPr lang="en-AU" dirty="0"/>
+              <a:t>Explain key – bigger weight applied to house price, crime, followed by school availability</a:t>
+            </a:r>
+          </a:p>
+          <a:p>
+            <a:endParaRPr lang="en-AU" dirty="0"/>
+          </a:p>
+          <a:p>
+            <a:r>
+              <a:rPr lang="en-AU" dirty="0"/>
+              <a:t>8 are from outer postcodes outer suburbs</a:t>
+            </a:r>
+          </a:p>
+          <a:p>
             <a:endParaRPr lang="en-AU" dirty="0"/>
           </a:p>
         </p:txBody>
@@ -1876,7 +1891,7 @@
     </p:spTree>
     <p:extLst>
       <p:ext uri="{BB962C8B-B14F-4D97-AF65-F5344CB8AC3E}">
-        <p14:creationId xmlns:p14="http://schemas.microsoft.com/office/powerpoint/2010/main" val="2525760280"/>
+        <p14:creationId xmlns:p14="http://schemas.microsoft.com/office/powerpoint/2010/main" val="3047578475"/>
       </p:ext>
     </p:extLst>
   </p:cSld>
@@ -2020,21 +2035,6 @@
             <a:endParaRPr lang="en-AU" dirty="0"/>
           </a:p>
           <a:p>
-            <a:r>
-              <a:rPr lang="en-AU" dirty="0"/>
-              <a:t>Explain key – bigger weight applied to house price, crime, followed by school availability</a:t>
-            </a:r>
-          </a:p>
-          <a:p>
-            <a:endParaRPr lang="en-AU" dirty="0"/>
-          </a:p>
-          <a:p>
-            <a:r>
-              <a:rPr lang="en-AU" dirty="0"/>
-              <a:t>8 are from outer postcodes outer suburbs</a:t>
-            </a:r>
-          </a:p>
-          <a:p>
             <a:endParaRPr lang="en-AU" dirty="0"/>
           </a:p>
         </p:txBody>
@@ -2065,7 +2065,7 @@
     </p:spTree>
     <p:extLst>
       <p:ext uri="{BB962C8B-B14F-4D97-AF65-F5344CB8AC3E}">
-        <p14:creationId xmlns:p14="http://schemas.microsoft.com/office/powerpoint/2010/main" val="3047578475"/>
+        <p14:creationId xmlns:p14="http://schemas.microsoft.com/office/powerpoint/2010/main" val="2525760280"/>
       </p:ext>
     </p:extLst>
   </p:cSld>
@@ -6680,53 +6680,6 @@
           </a:p>
         </p:txBody>
       </p:sp>
-      <p:pic>
-        <p:nvPicPr>
-          <p:cNvPr id="1026" name="Picture 2">
-            <a:extLst>
-              <a:ext uri="{FF2B5EF4-FFF2-40B4-BE49-F238E27FC236}">
-                <a16:creationId xmlns:a16="http://schemas.microsoft.com/office/drawing/2014/main" id="{1306363C-DA43-84B6-6C69-166B5FAA8F4F}"/>
-              </a:ext>
-            </a:extLst>
-          </p:cNvPr>
-          <p:cNvPicPr>
-            <a:picLocks noChangeAspect="1" noChangeArrowheads="1"/>
-          </p:cNvPicPr>
-          <p:nvPr/>
-        </p:nvPicPr>
-        <p:blipFill>
-          <a:blip r:embed="rId3">
-            <a:extLst>
-              <a:ext uri="{28A0092B-C50C-407E-A947-70E740481C1C}">
-                <a14:useLocalDpi xmlns:a14="http://schemas.microsoft.com/office/drawing/2010/main" val="0"/>
-              </a:ext>
-            </a:extLst>
-          </a:blip>
-          <a:srcRect/>
-          <a:stretch>
-            <a:fillRect/>
-          </a:stretch>
-        </p:blipFill>
-        <p:spPr bwMode="auto">
-          <a:xfrm>
-            <a:off x="4595117" y="962320"/>
-            <a:ext cx="7571520" cy="4933360"/>
-          </a:xfrm>
-          <a:prstGeom prst="rect">
-            <a:avLst/>
-          </a:prstGeom>
-          <a:noFill/>
-          <a:extLst>
-            <a:ext uri="{909E8E84-426E-40DD-AFC4-6F175D3DCCD1}">
-              <a14:hiddenFill xmlns:a14="http://schemas.microsoft.com/office/drawing/2010/main">
-                <a:solidFill>
-                  <a:srgbClr val="FFFFFF"/>
-                </a:solidFill>
-              </a14:hiddenFill>
-            </a:ext>
-          </a:extLst>
-        </p:spPr>
-      </p:pic>
       <p:sp>
         <p:nvSpPr>
           <p:cNvPr id="6" name="Text Placeholder 14">
@@ -7217,6 +7170,36 @@
           </a:p>
         </p:txBody>
       </p:sp>
+      <p:pic>
+        <p:nvPicPr>
+          <p:cNvPr id="4" name="Picture 3">
+            <a:extLst>
+              <a:ext uri="{FF2B5EF4-FFF2-40B4-BE49-F238E27FC236}">
+                <a16:creationId xmlns:a16="http://schemas.microsoft.com/office/drawing/2014/main" id="{EDB0C962-6646-D3BB-1B0C-D74E476172DE}"/>
+              </a:ext>
+            </a:extLst>
+          </p:cNvPr>
+          <p:cNvPicPr>
+            <a:picLocks noChangeAspect="1"/>
+          </p:cNvPicPr>
+          <p:nvPr/>
+        </p:nvPicPr>
+        <p:blipFill>
+          <a:blip r:embed="rId3"/>
+          <a:stretch>
+            <a:fillRect/>
+          </a:stretch>
+        </p:blipFill>
+        <p:spPr>
+          <a:xfrm>
+            <a:off x="4595117" y="1270092"/>
+            <a:ext cx="7613503" cy="5323000"/>
+          </a:xfrm>
+          <a:prstGeom prst="rect">
+            <a:avLst/>
+          </a:prstGeom>
+        </p:spPr>
+      </p:pic>
     </p:spTree>
     <p:extLst>
       <p:ext uri="{BB962C8B-B14F-4D97-AF65-F5344CB8AC3E}">
@@ -7309,12 +7292,485 @@
           </a:p>
         </p:txBody>
       </p:sp>
+      <p:sp>
+        <p:nvSpPr>
+          <p:cNvPr id="7" name="TextBox 6">
+            <a:extLst>
+              <a:ext uri="{FF2B5EF4-FFF2-40B4-BE49-F238E27FC236}">
+                <a16:creationId xmlns:a16="http://schemas.microsoft.com/office/drawing/2014/main" id="{4CF152EA-6437-9A4C-CE8F-869B50E77497}"/>
+              </a:ext>
+            </a:extLst>
+          </p:cNvPr>
+          <p:cNvSpPr txBox="1"/>
+          <p:nvPr/>
+        </p:nvSpPr>
+        <p:spPr>
+          <a:xfrm>
+            <a:off x="14317559" y="3164823"/>
+            <a:ext cx="3700432" cy="2585323"/>
+          </a:xfrm>
+          <a:prstGeom prst="rect">
+            <a:avLst/>
+          </a:prstGeom>
+          <a:noFill/>
+        </p:spPr>
+        <p:txBody>
+          <a:bodyPr wrap="square" rtlCol="0">
+            <a:spAutoFit/>
+          </a:bodyPr>
+          <a:lstStyle/>
+          <a:p>
+            <a:r>
+              <a:rPr lang="en-AU" b="1" dirty="0"/>
+              <a:t>Inner Suburbs: 	</a:t>
+            </a:r>
+            <a:r>
+              <a:rPr lang="en-AU" b="1" dirty="0">
+                <a:solidFill>
+                  <a:srgbClr val="00B050"/>
+                </a:solidFill>
+              </a:rPr>
+              <a:t>15 postcodes</a:t>
+            </a:r>
+          </a:p>
+          <a:p>
+            <a:r>
+              <a:rPr lang="en-AU" b="1" dirty="0"/>
+              <a:t>7 police stations.  0.47</a:t>
+            </a:r>
+          </a:p>
+          <a:p>
+            <a:endParaRPr lang="en-AU" b="1" dirty="0"/>
+          </a:p>
+          <a:p>
+            <a:r>
+              <a:rPr lang="en-AU" b="1" dirty="0"/>
+              <a:t>Mid Suburbs:	 </a:t>
+            </a:r>
+            <a:r>
+              <a:rPr lang="en-AU" b="1" dirty="0">
+                <a:solidFill>
+                  <a:srgbClr val="C00000"/>
+                </a:solidFill>
+              </a:rPr>
+              <a:t>111 Postcodes</a:t>
+            </a:r>
+          </a:p>
+          <a:p>
+            <a:r>
+              <a:rPr lang="en-AU" b="1" dirty="0"/>
+              <a:t>44 police stations 0.40</a:t>
+            </a:r>
+          </a:p>
+          <a:p>
+            <a:endParaRPr lang="en-AU" b="1" dirty="0"/>
+          </a:p>
+          <a:p>
+            <a:r>
+              <a:rPr lang="en-AU" b="1" dirty="0"/>
+              <a:t>Outer Suburbs:	 </a:t>
+            </a:r>
+            <a:r>
+              <a:rPr lang="en-AU" b="1" dirty="0">
+                <a:solidFill>
+                  <a:srgbClr val="FF0000"/>
+                </a:solidFill>
+              </a:rPr>
+              <a:t>71 Postcodes</a:t>
+            </a:r>
+          </a:p>
+          <a:p>
+            <a:r>
+              <a:rPr lang="en-AU" b="1" dirty="0"/>
+              <a:t>33 police stations  0.46</a:t>
+            </a:r>
+          </a:p>
+          <a:p>
+            <a:endParaRPr lang="en-AU" dirty="0"/>
+          </a:p>
+        </p:txBody>
+      </p:sp>
+      <p:sp>
+        <p:nvSpPr>
+          <p:cNvPr id="12" name="TextBox 11">
+            <a:extLst>
+              <a:ext uri="{FF2B5EF4-FFF2-40B4-BE49-F238E27FC236}">
+                <a16:creationId xmlns:a16="http://schemas.microsoft.com/office/drawing/2014/main" id="{6ABFB446-2272-9812-1FE5-392734A9E73E}"/>
+              </a:ext>
+            </a:extLst>
+          </p:cNvPr>
+          <p:cNvSpPr txBox="1"/>
+          <p:nvPr/>
+        </p:nvSpPr>
+        <p:spPr>
+          <a:xfrm>
+            <a:off x="-52697" y="2037886"/>
+            <a:ext cx="3700432" cy="2862322"/>
+          </a:xfrm>
+          <a:prstGeom prst="rect">
+            <a:avLst/>
+          </a:prstGeom>
+          <a:noFill/>
+        </p:spPr>
+        <p:txBody>
+          <a:bodyPr wrap="square" rtlCol="0">
+            <a:spAutoFit/>
+          </a:bodyPr>
+          <a:lstStyle/>
+          <a:p>
+            <a:r>
+              <a:rPr lang="en-AU" b="1" dirty="0"/>
+              <a:t>Inner Suburbs: 	</a:t>
+            </a:r>
+            <a:endParaRPr lang="en-AU" b="1" dirty="0">
+              <a:solidFill>
+                <a:srgbClr val="00B050"/>
+              </a:solidFill>
+            </a:endParaRPr>
+          </a:p>
+          <a:p>
+            <a:endParaRPr lang="en-AU" b="1" dirty="0"/>
+          </a:p>
+          <a:p>
+            <a:endParaRPr lang="en-AU" b="1" dirty="0"/>
+          </a:p>
+          <a:p>
+            <a:endParaRPr lang="en-AU" b="1" dirty="0"/>
+          </a:p>
+          <a:p>
+            <a:r>
+              <a:rPr lang="en-AU" b="1" dirty="0"/>
+              <a:t>Mid Suburbs:	</a:t>
+            </a:r>
+            <a:endParaRPr lang="en-AU" b="1" dirty="0">
+              <a:solidFill>
+                <a:srgbClr val="C00000"/>
+              </a:solidFill>
+            </a:endParaRPr>
+          </a:p>
+          <a:p>
+            <a:endParaRPr lang="en-AU" b="1" dirty="0"/>
+          </a:p>
+          <a:p>
+            <a:endParaRPr lang="en-AU" b="1" dirty="0"/>
+          </a:p>
+          <a:p>
+            <a:endParaRPr lang="en-AU" b="1" dirty="0"/>
+          </a:p>
+          <a:p>
+            <a:r>
+              <a:rPr lang="en-AU" b="1" dirty="0"/>
+              <a:t>Outer Suburbs:	</a:t>
+            </a:r>
+            <a:endParaRPr lang="en-AU" b="1" dirty="0">
+              <a:solidFill>
+                <a:srgbClr val="FF0000"/>
+              </a:solidFill>
+            </a:endParaRPr>
+          </a:p>
+          <a:p>
+            <a:endParaRPr lang="en-AU" dirty="0"/>
+          </a:p>
+        </p:txBody>
+      </p:sp>
+      <p:sp>
+        <p:nvSpPr>
+          <p:cNvPr id="13" name="TextBox 12">
+            <a:extLst>
+              <a:ext uri="{FF2B5EF4-FFF2-40B4-BE49-F238E27FC236}">
+                <a16:creationId xmlns:a16="http://schemas.microsoft.com/office/drawing/2014/main" id="{7D79A9C1-B88C-1C45-5B07-E569020200F9}"/>
+              </a:ext>
+            </a:extLst>
+          </p:cNvPr>
+          <p:cNvSpPr txBox="1"/>
+          <p:nvPr/>
+        </p:nvSpPr>
+        <p:spPr>
+          <a:xfrm>
+            <a:off x="27661" y="2407364"/>
+            <a:ext cx="3700432" cy="2862322"/>
+          </a:xfrm>
+          <a:prstGeom prst="rect">
+            <a:avLst/>
+          </a:prstGeom>
+          <a:noFill/>
+        </p:spPr>
+        <p:txBody>
+          <a:bodyPr wrap="square" rtlCol="0">
+            <a:spAutoFit/>
+          </a:bodyPr>
+          <a:lstStyle/>
+          <a:p>
+            <a:r>
+              <a:rPr lang="en-AU" b="1" dirty="0"/>
+              <a:t>7 police stations. </a:t>
+            </a:r>
+          </a:p>
+          <a:p>
+            <a:endParaRPr lang="en-AU" b="1" dirty="0"/>
+          </a:p>
+          <a:p>
+            <a:endParaRPr lang="en-AU" b="1" dirty="0"/>
+          </a:p>
+          <a:p>
+            <a:endParaRPr lang="en-AU" b="1" dirty="0"/>
+          </a:p>
+          <a:p>
+            <a:r>
+              <a:rPr lang="en-AU" b="1" dirty="0"/>
+              <a:t>44 police stations</a:t>
+            </a:r>
+          </a:p>
+          <a:p>
+            <a:endParaRPr lang="en-AU" b="1" dirty="0"/>
+          </a:p>
+          <a:p>
+            <a:endParaRPr lang="en-AU" b="1" dirty="0"/>
+          </a:p>
+          <a:p>
+            <a:endParaRPr lang="en-AU" b="1" dirty="0"/>
+          </a:p>
+          <a:p>
+            <a:r>
+              <a:rPr lang="en-AU" b="1" dirty="0"/>
+              <a:t>33 police stations</a:t>
+            </a:r>
+          </a:p>
+          <a:p>
+            <a:endParaRPr lang="en-AU" dirty="0"/>
+          </a:p>
+        </p:txBody>
+      </p:sp>
+      <p:sp>
+        <p:nvSpPr>
+          <p:cNvPr id="14" name="TextBox 13">
+            <a:extLst>
+              <a:ext uri="{FF2B5EF4-FFF2-40B4-BE49-F238E27FC236}">
+                <a16:creationId xmlns:a16="http://schemas.microsoft.com/office/drawing/2014/main" id="{953AC9A4-4D6A-143B-2B3B-53A3D629826B}"/>
+              </a:ext>
+            </a:extLst>
+          </p:cNvPr>
+          <p:cNvSpPr txBox="1"/>
+          <p:nvPr/>
+        </p:nvSpPr>
+        <p:spPr>
+          <a:xfrm>
+            <a:off x="1656376" y="4265229"/>
+            <a:ext cx="3700432" cy="369332"/>
+          </a:xfrm>
+          <a:prstGeom prst="rect">
+            <a:avLst/>
+          </a:prstGeom>
+          <a:noFill/>
+        </p:spPr>
+        <p:txBody>
+          <a:bodyPr wrap="square" rtlCol="0">
+            <a:spAutoFit/>
+          </a:bodyPr>
+          <a:lstStyle/>
+          <a:p>
+            <a:r>
+              <a:rPr lang="en-AU" b="1" dirty="0">
+                <a:solidFill>
+                  <a:srgbClr val="FF0000"/>
+                </a:solidFill>
+              </a:rPr>
+              <a:t>71 Postcodes</a:t>
+            </a:r>
+            <a:endParaRPr lang="en-AU" dirty="0"/>
+          </a:p>
+        </p:txBody>
+      </p:sp>
+      <p:sp>
+        <p:nvSpPr>
+          <p:cNvPr id="16" name="TextBox 15">
+            <a:extLst>
+              <a:ext uri="{FF2B5EF4-FFF2-40B4-BE49-F238E27FC236}">
+                <a16:creationId xmlns:a16="http://schemas.microsoft.com/office/drawing/2014/main" id="{7219CED4-8D23-5D77-1002-E28A2C5E0C2D}"/>
+              </a:ext>
+            </a:extLst>
+          </p:cNvPr>
+          <p:cNvSpPr txBox="1"/>
+          <p:nvPr/>
+        </p:nvSpPr>
+        <p:spPr>
+          <a:xfrm>
+            <a:off x="1417416" y="3145881"/>
+            <a:ext cx="3700432" cy="369332"/>
+          </a:xfrm>
+          <a:prstGeom prst="rect">
+            <a:avLst/>
+          </a:prstGeom>
+          <a:noFill/>
+        </p:spPr>
+        <p:txBody>
+          <a:bodyPr wrap="square" rtlCol="0">
+            <a:spAutoFit/>
+          </a:bodyPr>
+          <a:lstStyle/>
+          <a:p>
+            <a:r>
+              <a:rPr lang="en-AU" b="1" dirty="0">
+                <a:solidFill>
+                  <a:srgbClr val="C00000"/>
+                </a:solidFill>
+              </a:rPr>
+              <a:t>111 Postcodes</a:t>
+            </a:r>
+            <a:endParaRPr lang="en-AU" dirty="0"/>
+          </a:p>
+        </p:txBody>
+      </p:sp>
+      <p:sp>
+        <p:nvSpPr>
+          <p:cNvPr id="17" name="TextBox 16">
+            <a:extLst>
+              <a:ext uri="{FF2B5EF4-FFF2-40B4-BE49-F238E27FC236}">
+                <a16:creationId xmlns:a16="http://schemas.microsoft.com/office/drawing/2014/main" id="{D18B0B0E-AB02-1FC9-7C53-41C11E847DFD}"/>
+              </a:ext>
+            </a:extLst>
+          </p:cNvPr>
+          <p:cNvSpPr txBox="1"/>
+          <p:nvPr/>
+        </p:nvSpPr>
+        <p:spPr>
+          <a:xfrm>
+            <a:off x="1563114" y="2038774"/>
+            <a:ext cx="3700432" cy="369332"/>
+          </a:xfrm>
+          <a:prstGeom prst="rect">
+            <a:avLst/>
+          </a:prstGeom>
+          <a:noFill/>
+        </p:spPr>
+        <p:txBody>
+          <a:bodyPr wrap="square" rtlCol="0">
+            <a:spAutoFit/>
+          </a:bodyPr>
+          <a:lstStyle/>
+          <a:p>
+            <a:r>
+              <a:rPr lang="en-AU" b="1" dirty="0">
+                <a:solidFill>
+                  <a:srgbClr val="00B050"/>
+                </a:solidFill>
+              </a:rPr>
+              <a:t>15 postcodes</a:t>
+            </a:r>
+            <a:endParaRPr lang="en-AU" dirty="0"/>
+          </a:p>
+        </p:txBody>
+      </p:sp>
+      <p:sp>
+        <p:nvSpPr>
+          <p:cNvPr id="18" name="TextBox 17">
+            <a:extLst>
+              <a:ext uri="{FF2B5EF4-FFF2-40B4-BE49-F238E27FC236}">
+                <a16:creationId xmlns:a16="http://schemas.microsoft.com/office/drawing/2014/main" id="{A6745657-59D5-F053-E083-2D29F894B2C8}"/>
+              </a:ext>
+            </a:extLst>
+          </p:cNvPr>
+          <p:cNvSpPr txBox="1"/>
+          <p:nvPr/>
+        </p:nvSpPr>
+        <p:spPr>
+          <a:xfrm>
+            <a:off x="1991500" y="2407364"/>
+            <a:ext cx="917037" cy="2862322"/>
+          </a:xfrm>
+          <a:prstGeom prst="rect">
+            <a:avLst/>
+          </a:prstGeom>
+          <a:noFill/>
+        </p:spPr>
+        <p:txBody>
+          <a:bodyPr wrap="square" rtlCol="0">
+            <a:spAutoFit/>
+          </a:bodyPr>
+          <a:lstStyle/>
+          <a:p>
+            <a:r>
+              <a:rPr lang="en-AU" b="1" dirty="0">
+                <a:solidFill>
+                  <a:srgbClr val="FFC000"/>
+                </a:solidFill>
+              </a:rPr>
+              <a:t>0.47</a:t>
+            </a:r>
+          </a:p>
+          <a:p>
+            <a:endParaRPr lang="en-AU" b="1" dirty="0">
+              <a:solidFill>
+                <a:srgbClr val="FFC000"/>
+              </a:solidFill>
+            </a:endParaRPr>
+          </a:p>
+          <a:p>
+            <a:endParaRPr lang="en-AU" b="1" dirty="0">
+              <a:solidFill>
+                <a:srgbClr val="FFC000"/>
+              </a:solidFill>
+            </a:endParaRPr>
+          </a:p>
+          <a:p>
+            <a:endParaRPr lang="en-AU" b="1" dirty="0">
+              <a:solidFill>
+                <a:srgbClr val="FFC000"/>
+              </a:solidFill>
+            </a:endParaRPr>
+          </a:p>
+          <a:p>
+            <a:r>
+              <a:rPr lang="en-AU" b="1" dirty="0">
+                <a:solidFill>
+                  <a:srgbClr val="FFC000"/>
+                </a:solidFill>
+              </a:rPr>
+              <a:t>0.40</a:t>
+            </a:r>
+          </a:p>
+          <a:p>
+            <a:endParaRPr lang="en-AU" b="1" dirty="0">
+              <a:solidFill>
+                <a:srgbClr val="FFC000"/>
+              </a:solidFill>
+            </a:endParaRPr>
+          </a:p>
+          <a:p>
+            <a:endParaRPr lang="en-AU" b="1" dirty="0">
+              <a:solidFill>
+                <a:srgbClr val="FFC000"/>
+              </a:solidFill>
+            </a:endParaRPr>
+          </a:p>
+          <a:p>
+            <a:endParaRPr lang="en-AU" b="1" dirty="0">
+              <a:solidFill>
+                <a:srgbClr val="FFC000"/>
+              </a:solidFill>
+            </a:endParaRPr>
+          </a:p>
+          <a:p>
+            <a:r>
+              <a:rPr lang="en-AU" b="1" dirty="0">
+                <a:solidFill>
+                  <a:srgbClr val="FFC000"/>
+                </a:solidFill>
+              </a:rPr>
+              <a:t>0.46</a:t>
+            </a:r>
+          </a:p>
+          <a:p>
+            <a:endParaRPr lang="en-AU" dirty="0"/>
+          </a:p>
+        </p:txBody>
+      </p:sp>
       <p:pic>
         <p:nvPicPr>
-          <p:cNvPr id="5" name="Picture 4">
-            <a:extLst>
-              <a:ext uri="{FF2B5EF4-FFF2-40B4-BE49-F238E27FC236}">
-                <a16:creationId xmlns:a16="http://schemas.microsoft.com/office/drawing/2014/main" id="{45E62138-C58C-8B19-5C51-09C4FD6D21C0}"/>
+          <p:cNvPr id="6" name="Picture 5">
+            <a:extLst>
+              <a:ext uri="{FF2B5EF4-FFF2-40B4-BE49-F238E27FC236}">
+                <a16:creationId xmlns:a16="http://schemas.microsoft.com/office/drawing/2014/main" id="{5BB64EBF-D517-176D-55EF-46D5BA371447}"/>
               </a:ext>
             </a:extLst>
           </p:cNvPr>
@@ -7331,487 +7787,14 @@
         </p:blipFill>
         <p:spPr>
           <a:xfrm>
-            <a:off x="3054658" y="953856"/>
-            <a:ext cx="9137342" cy="5157577"/>
+            <a:off x="3336923" y="1569428"/>
+            <a:ext cx="8813052" cy="4856334"/>
           </a:xfrm>
           <a:prstGeom prst="rect">
             <a:avLst/>
           </a:prstGeom>
         </p:spPr>
       </p:pic>
-      <p:sp>
-        <p:nvSpPr>
-          <p:cNvPr id="7" name="TextBox 6">
-            <a:extLst>
-              <a:ext uri="{FF2B5EF4-FFF2-40B4-BE49-F238E27FC236}">
-                <a16:creationId xmlns:a16="http://schemas.microsoft.com/office/drawing/2014/main" id="{4CF152EA-6437-9A4C-CE8F-869B50E77497}"/>
-              </a:ext>
-            </a:extLst>
-          </p:cNvPr>
-          <p:cNvSpPr txBox="1"/>
-          <p:nvPr/>
-        </p:nvSpPr>
-        <p:spPr>
-          <a:xfrm>
-            <a:off x="14317559" y="3164823"/>
-            <a:ext cx="3700432" cy="2585323"/>
-          </a:xfrm>
-          <a:prstGeom prst="rect">
-            <a:avLst/>
-          </a:prstGeom>
-          <a:noFill/>
-        </p:spPr>
-        <p:txBody>
-          <a:bodyPr wrap="square" rtlCol="0">
-            <a:spAutoFit/>
-          </a:bodyPr>
-          <a:lstStyle/>
-          <a:p>
-            <a:r>
-              <a:rPr lang="en-AU" b="1" dirty="0"/>
-              <a:t>Inner Suburbs: 	</a:t>
-            </a:r>
-            <a:r>
-              <a:rPr lang="en-AU" b="1" dirty="0">
-                <a:solidFill>
-                  <a:srgbClr val="00B050"/>
-                </a:solidFill>
-              </a:rPr>
-              <a:t>15 postcodes</a:t>
-            </a:r>
-          </a:p>
-          <a:p>
-            <a:r>
-              <a:rPr lang="en-AU" b="1" dirty="0"/>
-              <a:t>7 police stations.  0.47</a:t>
-            </a:r>
-          </a:p>
-          <a:p>
-            <a:endParaRPr lang="en-AU" b="1" dirty="0"/>
-          </a:p>
-          <a:p>
-            <a:r>
-              <a:rPr lang="en-AU" b="1" dirty="0"/>
-              <a:t>Mid Suburbs:	 </a:t>
-            </a:r>
-            <a:r>
-              <a:rPr lang="en-AU" b="1" dirty="0">
-                <a:solidFill>
-                  <a:srgbClr val="C00000"/>
-                </a:solidFill>
-              </a:rPr>
-              <a:t>111 Postcodes</a:t>
-            </a:r>
-          </a:p>
-          <a:p>
-            <a:r>
-              <a:rPr lang="en-AU" b="1" dirty="0"/>
-              <a:t>44 police stations 0.40</a:t>
-            </a:r>
-          </a:p>
-          <a:p>
-            <a:endParaRPr lang="en-AU" b="1" dirty="0"/>
-          </a:p>
-          <a:p>
-            <a:r>
-              <a:rPr lang="en-AU" b="1" dirty="0"/>
-              <a:t>Outer Suburbs:	 </a:t>
-            </a:r>
-            <a:r>
-              <a:rPr lang="en-AU" b="1" dirty="0">
-                <a:solidFill>
-                  <a:srgbClr val="FF0000"/>
-                </a:solidFill>
-              </a:rPr>
-              <a:t>71 Postcodes</a:t>
-            </a:r>
-          </a:p>
-          <a:p>
-            <a:r>
-              <a:rPr lang="en-AU" b="1" dirty="0"/>
-              <a:t>33 police stations  0.46</a:t>
-            </a:r>
-          </a:p>
-          <a:p>
-            <a:endParaRPr lang="en-AU" dirty="0"/>
-          </a:p>
-        </p:txBody>
-      </p:sp>
-      <p:sp>
-        <p:nvSpPr>
-          <p:cNvPr id="12" name="TextBox 11">
-            <a:extLst>
-              <a:ext uri="{FF2B5EF4-FFF2-40B4-BE49-F238E27FC236}">
-                <a16:creationId xmlns:a16="http://schemas.microsoft.com/office/drawing/2014/main" id="{6ABFB446-2272-9812-1FE5-392734A9E73E}"/>
-              </a:ext>
-            </a:extLst>
-          </p:cNvPr>
-          <p:cNvSpPr txBox="1"/>
-          <p:nvPr/>
-        </p:nvSpPr>
-        <p:spPr>
-          <a:xfrm>
-            <a:off x="-52697" y="2037886"/>
-            <a:ext cx="3700432" cy="2862322"/>
-          </a:xfrm>
-          <a:prstGeom prst="rect">
-            <a:avLst/>
-          </a:prstGeom>
-          <a:noFill/>
-        </p:spPr>
-        <p:txBody>
-          <a:bodyPr wrap="square" rtlCol="0">
-            <a:spAutoFit/>
-          </a:bodyPr>
-          <a:lstStyle/>
-          <a:p>
-            <a:r>
-              <a:rPr lang="en-AU" b="1" dirty="0"/>
-              <a:t>Inner Suburbs: 	</a:t>
-            </a:r>
-            <a:endParaRPr lang="en-AU" b="1" dirty="0">
-              <a:solidFill>
-                <a:srgbClr val="00B050"/>
-              </a:solidFill>
-            </a:endParaRPr>
-          </a:p>
-          <a:p>
-            <a:endParaRPr lang="en-AU" b="1" dirty="0"/>
-          </a:p>
-          <a:p>
-            <a:endParaRPr lang="en-AU" b="1" dirty="0"/>
-          </a:p>
-          <a:p>
-            <a:endParaRPr lang="en-AU" b="1" dirty="0"/>
-          </a:p>
-          <a:p>
-            <a:r>
-              <a:rPr lang="en-AU" b="1" dirty="0"/>
-              <a:t>Mid Suburbs:	</a:t>
-            </a:r>
-            <a:endParaRPr lang="en-AU" b="1" dirty="0">
-              <a:solidFill>
-                <a:srgbClr val="C00000"/>
-              </a:solidFill>
-            </a:endParaRPr>
-          </a:p>
-          <a:p>
-            <a:endParaRPr lang="en-AU" b="1" dirty="0"/>
-          </a:p>
-          <a:p>
-            <a:endParaRPr lang="en-AU" b="1" dirty="0"/>
-          </a:p>
-          <a:p>
-            <a:endParaRPr lang="en-AU" b="1" dirty="0"/>
-          </a:p>
-          <a:p>
-            <a:r>
-              <a:rPr lang="en-AU" b="1" dirty="0"/>
-              <a:t>Outer Suburbs:	</a:t>
-            </a:r>
-            <a:endParaRPr lang="en-AU" b="1" dirty="0">
-              <a:solidFill>
-                <a:srgbClr val="FF0000"/>
-              </a:solidFill>
-            </a:endParaRPr>
-          </a:p>
-          <a:p>
-            <a:endParaRPr lang="en-AU" dirty="0"/>
-          </a:p>
-        </p:txBody>
-      </p:sp>
-      <p:sp>
-        <p:nvSpPr>
-          <p:cNvPr id="13" name="TextBox 12">
-            <a:extLst>
-              <a:ext uri="{FF2B5EF4-FFF2-40B4-BE49-F238E27FC236}">
-                <a16:creationId xmlns:a16="http://schemas.microsoft.com/office/drawing/2014/main" id="{7D79A9C1-B88C-1C45-5B07-E569020200F9}"/>
-              </a:ext>
-            </a:extLst>
-          </p:cNvPr>
-          <p:cNvSpPr txBox="1"/>
-          <p:nvPr/>
-        </p:nvSpPr>
-        <p:spPr>
-          <a:xfrm>
-            <a:off x="27661" y="2407364"/>
-            <a:ext cx="3700432" cy="2862322"/>
-          </a:xfrm>
-          <a:prstGeom prst="rect">
-            <a:avLst/>
-          </a:prstGeom>
-          <a:noFill/>
-        </p:spPr>
-        <p:txBody>
-          <a:bodyPr wrap="square" rtlCol="0">
-            <a:spAutoFit/>
-          </a:bodyPr>
-          <a:lstStyle/>
-          <a:p>
-            <a:r>
-              <a:rPr lang="en-AU" b="1" dirty="0"/>
-              <a:t>7 police stations. </a:t>
-            </a:r>
-          </a:p>
-          <a:p>
-            <a:endParaRPr lang="en-AU" b="1" dirty="0"/>
-          </a:p>
-          <a:p>
-            <a:endParaRPr lang="en-AU" b="1" dirty="0"/>
-          </a:p>
-          <a:p>
-            <a:endParaRPr lang="en-AU" b="1" dirty="0"/>
-          </a:p>
-          <a:p>
-            <a:r>
-              <a:rPr lang="en-AU" b="1" dirty="0"/>
-              <a:t>44 police stations</a:t>
-            </a:r>
-          </a:p>
-          <a:p>
-            <a:endParaRPr lang="en-AU" b="1" dirty="0"/>
-          </a:p>
-          <a:p>
-            <a:endParaRPr lang="en-AU" b="1" dirty="0"/>
-          </a:p>
-          <a:p>
-            <a:endParaRPr lang="en-AU" b="1" dirty="0"/>
-          </a:p>
-          <a:p>
-            <a:r>
-              <a:rPr lang="en-AU" b="1" dirty="0"/>
-              <a:t>33 police stations</a:t>
-            </a:r>
-          </a:p>
-          <a:p>
-            <a:endParaRPr lang="en-AU" dirty="0"/>
-          </a:p>
-        </p:txBody>
-      </p:sp>
-      <p:sp>
-        <p:nvSpPr>
-          <p:cNvPr id="14" name="TextBox 13">
-            <a:extLst>
-              <a:ext uri="{FF2B5EF4-FFF2-40B4-BE49-F238E27FC236}">
-                <a16:creationId xmlns:a16="http://schemas.microsoft.com/office/drawing/2014/main" id="{953AC9A4-4D6A-143B-2B3B-53A3D629826B}"/>
-              </a:ext>
-            </a:extLst>
-          </p:cNvPr>
-          <p:cNvSpPr txBox="1"/>
-          <p:nvPr/>
-        </p:nvSpPr>
-        <p:spPr>
-          <a:xfrm>
-            <a:off x="1656376" y="4265229"/>
-            <a:ext cx="3700432" cy="369332"/>
-          </a:xfrm>
-          <a:prstGeom prst="rect">
-            <a:avLst/>
-          </a:prstGeom>
-          <a:noFill/>
-        </p:spPr>
-        <p:txBody>
-          <a:bodyPr wrap="square" rtlCol="0">
-            <a:spAutoFit/>
-          </a:bodyPr>
-          <a:lstStyle/>
-          <a:p>
-            <a:r>
-              <a:rPr lang="en-AU" b="1" dirty="0">
-                <a:solidFill>
-                  <a:srgbClr val="FF0000"/>
-                </a:solidFill>
-              </a:rPr>
-              <a:t>71 Postcodes</a:t>
-            </a:r>
-            <a:endParaRPr lang="en-AU" dirty="0"/>
-          </a:p>
-        </p:txBody>
-      </p:sp>
-      <p:sp>
-        <p:nvSpPr>
-          <p:cNvPr id="16" name="TextBox 15">
-            <a:extLst>
-              <a:ext uri="{FF2B5EF4-FFF2-40B4-BE49-F238E27FC236}">
-                <a16:creationId xmlns:a16="http://schemas.microsoft.com/office/drawing/2014/main" id="{7219CED4-8D23-5D77-1002-E28A2C5E0C2D}"/>
-              </a:ext>
-            </a:extLst>
-          </p:cNvPr>
-          <p:cNvSpPr txBox="1"/>
-          <p:nvPr/>
-        </p:nvSpPr>
-        <p:spPr>
-          <a:xfrm>
-            <a:off x="1417416" y="3145881"/>
-            <a:ext cx="3700432" cy="369332"/>
-          </a:xfrm>
-          <a:prstGeom prst="rect">
-            <a:avLst/>
-          </a:prstGeom>
-          <a:noFill/>
-        </p:spPr>
-        <p:txBody>
-          <a:bodyPr wrap="square" rtlCol="0">
-            <a:spAutoFit/>
-          </a:bodyPr>
-          <a:lstStyle/>
-          <a:p>
-            <a:r>
-              <a:rPr lang="en-AU" b="1" dirty="0">
-                <a:solidFill>
-                  <a:srgbClr val="C00000"/>
-                </a:solidFill>
-              </a:rPr>
-              <a:t>111 Postcodes</a:t>
-            </a:r>
-            <a:endParaRPr lang="en-AU" dirty="0"/>
-          </a:p>
-        </p:txBody>
-      </p:sp>
-      <p:sp>
-        <p:nvSpPr>
-          <p:cNvPr id="17" name="TextBox 16">
-            <a:extLst>
-              <a:ext uri="{FF2B5EF4-FFF2-40B4-BE49-F238E27FC236}">
-                <a16:creationId xmlns:a16="http://schemas.microsoft.com/office/drawing/2014/main" id="{D18B0B0E-AB02-1FC9-7C53-41C11E847DFD}"/>
-              </a:ext>
-            </a:extLst>
-          </p:cNvPr>
-          <p:cNvSpPr txBox="1"/>
-          <p:nvPr/>
-        </p:nvSpPr>
-        <p:spPr>
-          <a:xfrm>
-            <a:off x="1563114" y="2038774"/>
-            <a:ext cx="3700432" cy="369332"/>
-          </a:xfrm>
-          <a:prstGeom prst="rect">
-            <a:avLst/>
-          </a:prstGeom>
-          <a:noFill/>
-        </p:spPr>
-        <p:txBody>
-          <a:bodyPr wrap="square" rtlCol="0">
-            <a:spAutoFit/>
-          </a:bodyPr>
-          <a:lstStyle/>
-          <a:p>
-            <a:r>
-              <a:rPr lang="en-AU" b="1" dirty="0">
-                <a:solidFill>
-                  <a:srgbClr val="00B050"/>
-                </a:solidFill>
-              </a:rPr>
-              <a:t>15 postcodes</a:t>
-            </a:r>
-            <a:endParaRPr lang="en-AU" dirty="0"/>
-          </a:p>
-        </p:txBody>
-      </p:sp>
-      <p:sp>
-        <p:nvSpPr>
-          <p:cNvPr id="18" name="TextBox 17">
-            <a:extLst>
-              <a:ext uri="{FF2B5EF4-FFF2-40B4-BE49-F238E27FC236}">
-                <a16:creationId xmlns:a16="http://schemas.microsoft.com/office/drawing/2014/main" id="{A6745657-59D5-F053-E083-2D29F894B2C8}"/>
-              </a:ext>
-            </a:extLst>
-          </p:cNvPr>
-          <p:cNvSpPr txBox="1"/>
-          <p:nvPr/>
-        </p:nvSpPr>
-        <p:spPr>
-          <a:xfrm>
-            <a:off x="1991500" y="2407364"/>
-            <a:ext cx="917037" cy="2862322"/>
-          </a:xfrm>
-          <a:prstGeom prst="rect">
-            <a:avLst/>
-          </a:prstGeom>
-          <a:noFill/>
-        </p:spPr>
-        <p:txBody>
-          <a:bodyPr wrap="square" rtlCol="0">
-            <a:spAutoFit/>
-          </a:bodyPr>
-          <a:lstStyle/>
-          <a:p>
-            <a:r>
-              <a:rPr lang="en-AU" b="1" dirty="0">
-                <a:solidFill>
-                  <a:srgbClr val="FFC000"/>
-                </a:solidFill>
-              </a:rPr>
-              <a:t>0.47</a:t>
-            </a:r>
-          </a:p>
-          <a:p>
-            <a:endParaRPr lang="en-AU" b="1" dirty="0">
-              <a:solidFill>
-                <a:srgbClr val="FFC000"/>
-              </a:solidFill>
-            </a:endParaRPr>
-          </a:p>
-          <a:p>
-            <a:endParaRPr lang="en-AU" b="1" dirty="0">
-              <a:solidFill>
-                <a:srgbClr val="FFC000"/>
-              </a:solidFill>
-            </a:endParaRPr>
-          </a:p>
-          <a:p>
-            <a:endParaRPr lang="en-AU" b="1" dirty="0">
-              <a:solidFill>
-                <a:srgbClr val="FFC000"/>
-              </a:solidFill>
-            </a:endParaRPr>
-          </a:p>
-          <a:p>
-            <a:r>
-              <a:rPr lang="en-AU" b="1" dirty="0">
-                <a:solidFill>
-                  <a:srgbClr val="FFC000"/>
-                </a:solidFill>
-              </a:rPr>
-              <a:t>0.40</a:t>
-            </a:r>
-          </a:p>
-          <a:p>
-            <a:endParaRPr lang="en-AU" b="1" dirty="0">
-              <a:solidFill>
-                <a:srgbClr val="FFC000"/>
-              </a:solidFill>
-            </a:endParaRPr>
-          </a:p>
-          <a:p>
-            <a:endParaRPr lang="en-AU" b="1" dirty="0">
-              <a:solidFill>
-                <a:srgbClr val="FFC000"/>
-              </a:solidFill>
-            </a:endParaRPr>
-          </a:p>
-          <a:p>
-            <a:endParaRPr lang="en-AU" b="1" dirty="0">
-              <a:solidFill>
-                <a:srgbClr val="FFC000"/>
-              </a:solidFill>
-            </a:endParaRPr>
-          </a:p>
-          <a:p>
-            <a:r>
-              <a:rPr lang="en-AU" b="1" dirty="0">
-                <a:solidFill>
-                  <a:srgbClr val="FFC000"/>
-                </a:solidFill>
-              </a:rPr>
-              <a:t>0.46</a:t>
-            </a:r>
-          </a:p>
-          <a:p>
-            <a:endParaRPr lang="en-AU" dirty="0"/>
-          </a:p>
-        </p:txBody>
-      </p:sp>
     </p:spTree>
     <p:extLst>
       <p:ext uri="{BB962C8B-B14F-4D97-AF65-F5344CB8AC3E}">
@@ -9716,12 +9699,74 @@
           </a:p>
         </p:txBody>
       </p:sp>
+      <p:sp>
+        <p:nvSpPr>
+          <p:cNvPr id="5" name="TextBox 4">
+            <a:extLst>
+              <a:ext uri="{FF2B5EF4-FFF2-40B4-BE49-F238E27FC236}">
+                <a16:creationId xmlns:a16="http://schemas.microsoft.com/office/drawing/2014/main" id="{BBDEB8CB-8F81-60D3-3DA5-AF12749C5FE8}"/>
+              </a:ext>
+            </a:extLst>
+          </p:cNvPr>
+          <p:cNvSpPr txBox="1"/>
+          <p:nvPr/>
+        </p:nvSpPr>
+        <p:spPr>
+          <a:xfrm>
+            <a:off x="773723" y="4903596"/>
+            <a:ext cx="4314001" cy="1754326"/>
+          </a:xfrm>
+          <a:prstGeom prst="rect">
+            <a:avLst/>
+          </a:prstGeom>
+          <a:noFill/>
+        </p:spPr>
+        <p:txBody>
+          <a:bodyPr wrap="none" rtlCol="0">
+            <a:spAutoFit/>
+          </a:bodyPr>
+          <a:lstStyle/>
+          <a:p>
+            <a:r>
+              <a:rPr lang="en-AU" dirty="0"/>
+              <a:t>Key:</a:t>
+            </a:r>
+          </a:p>
+          <a:p>
+            <a:r>
+              <a:rPr lang="en-AU" dirty="0"/>
+              <a:t>Hospital, Police Station, Supermarket</a:t>
+            </a:r>
+          </a:p>
+          <a:p>
+            <a:r>
+              <a:rPr lang="en-AU" dirty="0"/>
+              <a:t>0 = none, 1 = has at least one</a:t>
+            </a:r>
+          </a:p>
+          <a:p>
+            <a:endParaRPr lang="en-AU" dirty="0"/>
+          </a:p>
+          <a:p>
+            <a:r>
+              <a:rPr lang="en-AU" dirty="0"/>
+              <a:t>Affordability, Crime, School</a:t>
+            </a:r>
+          </a:p>
+          <a:p>
+            <a:r>
+              <a:rPr lang="en-AU" dirty="0"/>
+              <a:t>1=worst outcome to 5 = best outcome</a:t>
+            </a:r>
+          </a:p>
+        </p:txBody>
+      </p:sp>
       <p:pic>
         <p:nvPicPr>
-          <p:cNvPr id="8" name="Picture 7">
-            <a:extLst>
-              <a:ext uri="{FF2B5EF4-FFF2-40B4-BE49-F238E27FC236}">
-                <a16:creationId xmlns:a16="http://schemas.microsoft.com/office/drawing/2014/main" id="{1886C741-B042-65CF-BE35-8C3343A9E354}"/>
+          <p:cNvPr id="7" name="Picture 6">
+            <a:extLst>
+              <a:ext uri="{FF2B5EF4-FFF2-40B4-BE49-F238E27FC236}">
+                <a16:creationId xmlns:a16="http://schemas.microsoft.com/office/drawing/2014/main" id="{F988E9C0-E85B-C71D-07E8-39E63C5FBDAD}"/>
               </a:ext>
             </a:extLst>
           </p:cNvPr>
@@ -9738,8 +9783,8 @@
         </p:blipFill>
         <p:spPr>
           <a:xfrm>
-            <a:off x="559446" y="1422596"/>
-            <a:ext cx="11073108" cy="3189598"/>
+            <a:off x="1166701" y="1576911"/>
+            <a:ext cx="10107436" cy="3000794"/>
           </a:xfrm>
           <a:prstGeom prst="rect">
             <a:avLst/>
@@ -9749,7 +9794,7 @@
     </p:spTree>
     <p:extLst>
       <p:ext uri="{BB962C8B-B14F-4D97-AF65-F5344CB8AC3E}">
-        <p14:creationId xmlns:p14="http://schemas.microsoft.com/office/powerpoint/2010/main" val="1240249605"/>
+        <p14:creationId xmlns:p14="http://schemas.microsoft.com/office/powerpoint/2010/main" val="2931903134"/>
       </p:ext>
     </p:extLst>
   </p:cSld>
@@ -9813,74 +9858,12 @@
           </a:p>
         </p:txBody>
       </p:sp>
-      <p:sp>
-        <p:nvSpPr>
-          <p:cNvPr id="5" name="TextBox 4">
-            <a:extLst>
-              <a:ext uri="{FF2B5EF4-FFF2-40B4-BE49-F238E27FC236}">
-                <a16:creationId xmlns:a16="http://schemas.microsoft.com/office/drawing/2014/main" id="{BBDEB8CB-8F81-60D3-3DA5-AF12749C5FE8}"/>
-              </a:ext>
-            </a:extLst>
-          </p:cNvPr>
-          <p:cNvSpPr txBox="1"/>
-          <p:nvPr/>
-        </p:nvSpPr>
-        <p:spPr>
-          <a:xfrm>
-            <a:off x="773723" y="4903596"/>
-            <a:ext cx="4314001" cy="1754326"/>
-          </a:xfrm>
-          <a:prstGeom prst="rect">
-            <a:avLst/>
-          </a:prstGeom>
-          <a:noFill/>
-        </p:spPr>
-        <p:txBody>
-          <a:bodyPr wrap="none" rtlCol="0">
-            <a:spAutoFit/>
-          </a:bodyPr>
-          <a:lstStyle/>
-          <a:p>
-            <a:r>
-              <a:rPr lang="en-AU" dirty="0"/>
-              <a:t>Key:</a:t>
-            </a:r>
-          </a:p>
-          <a:p>
-            <a:r>
-              <a:rPr lang="en-AU" dirty="0"/>
-              <a:t>Hospital, Police Station, Supermarket</a:t>
-            </a:r>
-          </a:p>
-          <a:p>
-            <a:r>
-              <a:rPr lang="en-AU" dirty="0"/>
-              <a:t>0 = none, 1 = has at least one</a:t>
-            </a:r>
-          </a:p>
-          <a:p>
-            <a:endParaRPr lang="en-AU" dirty="0"/>
-          </a:p>
-          <a:p>
-            <a:r>
-              <a:rPr lang="en-AU" dirty="0"/>
-              <a:t>Affordability, Crime, School</a:t>
-            </a:r>
-          </a:p>
-          <a:p>
-            <a:r>
-              <a:rPr lang="en-AU" dirty="0"/>
-              <a:t>1=worst outcome to 5 = best outcome</a:t>
-            </a:r>
-          </a:p>
-        </p:txBody>
-      </p:sp>
       <p:pic>
         <p:nvPicPr>
-          <p:cNvPr id="7" name="Picture 6">
-            <a:extLst>
-              <a:ext uri="{FF2B5EF4-FFF2-40B4-BE49-F238E27FC236}">
-                <a16:creationId xmlns:a16="http://schemas.microsoft.com/office/drawing/2014/main" id="{F988E9C0-E85B-C71D-07E8-39E63C5FBDAD}"/>
+          <p:cNvPr id="8" name="Picture 7">
+            <a:extLst>
+              <a:ext uri="{FF2B5EF4-FFF2-40B4-BE49-F238E27FC236}">
+                <a16:creationId xmlns:a16="http://schemas.microsoft.com/office/drawing/2014/main" id="{1886C741-B042-65CF-BE35-8C3343A9E354}"/>
               </a:ext>
             </a:extLst>
           </p:cNvPr>
@@ -9897,8 +9880,8 @@
         </p:blipFill>
         <p:spPr>
           <a:xfrm>
-            <a:off x="1166701" y="1576911"/>
-            <a:ext cx="10107436" cy="3000794"/>
+            <a:off x="559446" y="1422596"/>
+            <a:ext cx="11073108" cy="3189598"/>
           </a:xfrm>
           <a:prstGeom prst="rect">
             <a:avLst/>
@@ -9908,7 +9891,7 @@
     </p:spTree>
     <p:extLst>
       <p:ext uri="{BB962C8B-B14F-4D97-AF65-F5344CB8AC3E}">
-        <p14:creationId xmlns:p14="http://schemas.microsoft.com/office/powerpoint/2010/main" val="2931903134"/>
+        <p14:creationId xmlns:p14="http://schemas.microsoft.com/office/powerpoint/2010/main" val="1240249605"/>
       </p:ext>
     </p:extLst>
   </p:cSld>
